--- a/ENR1 – Enrollment system.pptx
+++ b/ENR1 – Enrollment system.pptx
@@ -122,6 +122,11 @@
       </a:defRPr>
     </a:lvl9pPr>
   </p:defaultTextStyle>
+  <p:extLst>
+    <p:ext uri="{EFAFB233-063F-42B5-8137-9DF3F51BA10A}">
+      <p15:sldGuideLst xmlns:p15="http://schemas.microsoft.com/office/powerpoint/2012/main"/>
+    </p:ext>
+  </p:extLst>
 </p:presentation>
 </file>
 
@@ -5851,88 +5856,93 @@
             <p:ph idx="1"/>
           </p:nvPr>
         </p:nvSpPr>
-        <p:spPr/>
+        <p:spPr>
+          <a:xfrm>
+            <a:off x="2119450" y="2612877"/>
+            <a:ext cx="7953099" cy="3101983"/>
+          </a:xfrm>
+        </p:spPr>
         <p:txBody>
           <a:bodyPr/>
           <a:lstStyle/>
           <a:p>
             <a:r>
-              <a:rPr lang="en-US" b="1" dirty="0"/>
+              <a:rPr lang="en-US" sz="2000" b="1" dirty="0"/>
               <a:t>Feature: 1. Enrolling to a new subject (Ras</a:t>
             </a:r>
             <a:r>
-              <a:rPr lang="cs-CZ" b="1" dirty="0" err="1"/>
+              <a:rPr lang="cs-CZ" sz="2000" b="1" dirty="0" err="1"/>
               <a:t>tislav</a:t>
             </a:r>
             <a:r>
-              <a:rPr lang="cs-CZ" b="1" dirty="0"/>
+              <a:rPr lang="cs-CZ" sz="2000" b="1" dirty="0"/>
               <a:t>)</a:t>
             </a:r>
           </a:p>
           <a:p>
             <a:r>
-              <a:rPr lang="en-US" b="1" dirty="0"/>
+              <a:rPr lang="en-US" sz="2000" b="1" dirty="0"/>
               <a:t>Feature: 2. Unenrolling from enrolled subject (</a:t>
             </a:r>
             <a:r>
-              <a:rPr lang="en-US" b="1" dirty="0" err="1"/>
+              <a:rPr lang="en-US" sz="2000" b="1" dirty="0" err="1"/>
               <a:t>Honza</a:t>
             </a:r>
             <a:r>
-              <a:rPr lang="en-US" b="1" dirty="0"/>
+              <a:rPr lang="en-US" sz="2000" b="1" dirty="0"/>
               <a:t> R.)</a:t>
             </a:r>
           </a:p>
           <a:p>
             <a:r>
-              <a:rPr lang="en-US" b="1" dirty="0"/>
+              <a:rPr lang="en-US" sz="2000" b="1" dirty="0"/>
               <a:t>Feature: 3. Viewing enrolled subjects (Mat</a:t>
             </a:r>
             <a:r>
-              <a:rPr lang="cs-CZ" b="1" dirty="0" err="1"/>
+              <a:rPr lang="cs-CZ" sz="2000" b="1" dirty="0" err="1"/>
               <a:t>yáš</a:t>
             </a:r>
             <a:r>
-              <a:rPr lang="en-US" b="1" dirty="0"/>
+              <a:rPr lang="en-US" sz="2000" b="1" dirty="0"/>
               <a:t>)</a:t>
             </a:r>
-            <a:endParaRPr lang="cs-CZ" b="1" dirty="0"/>
-          </a:p>
-          <a:p>
-            <a:r>
-              <a:rPr lang="en-US" b="1" dirty="0"/>
+            <a:endParaRPr lang="cs-CZ" sz="2000" b="1" dirty="0"/>
+          </a:p>
+          <a:p>
+            <a:r>
+              <a:rPr lang="en-US" sz="2000" b="1" dirty="0"/>
               <a:t>Feature: 4. Enrolling a student to a teacher's subject (</a:t>
             </a:r>
             <a:r>
-              <a:rPr lang="en-US" b="1" dirty="0" err="1"/>
+              <a:rPr lang="en-US" sz="2000" b="1" dirty="0" err="1"/>
               <a:t>Vojt</a:t>
             </a:r>
             <a:r>
-              <a:rPr lang="cs-CZ" b="1" dirty="0" err="1"/>
+              <a:rPr lang="cs-CZ" sz="2000" b="1" dirty="0" err="1"/>
               <a:t>ěch</a:t>
             </a:r>
             <a:r>
-              <a:rPr lang="cs-CZ" b="1" dirty="0"/>
+              <a:rPr lang="cs-CZ" sz="2000" b="1" dirty="0"/>
               <a:t>)</a:t>
             </a:r>
           </a:p>
           <a:p>
             <a:r>
-              <a:rPr lang="en-US" b="1" dirty="0"/>
+              <a:rPr lang="en-US" sz="2000" b="1" dirty="0"/>
               <a:t>Feature: 5. Notification of Invalid Enrollment (Šimon)</a:t>
             </a:r>
           </a:p>
           <a:p>
             <a:r>
-              <a:rPr lang="en-US" b="1" dirty="0"/>
+              <a:rPr lang="en-US" sz="2000" b="1" dirty="0"/>
               <a:t>Feature: 6. Viewing subjects available for enrollment (</a:t>
             </a:r>
             <a:r>
-              <a:rPr lang="en-US" b="1" dirty="0" err="1"/>
+              <a:rPr lang="en-US" sz="2000" b="1" dirty="0" err="1"/>
               <a:t>Honza</a:t>
             </a:r>
             <a:r>
-              <a:rPr lang="en-US" b="1" dirty="0"/>
+              <a:rPr lang="en-US" sz="2000" b="1" dirty="0"/>
               <a:t> Č.)</a:t>
             </a:r>
           </a:p>
@@ -6078,55 +6088,59 @@
           <a:lstStyle/>
           <a:p>
             <a:r>
-              <a:rPr lang="en-US" b="1" dirty="0"/>
+              <a:rPr lang="en-US" sz="2400" b="1" dirty="0"/>
               <a:t>Subject viewing and interaction responsibilities</a:t>
             </a:r>
           </a:p>
           <a:p>
             <a:pPr lvl="1"/>
             <a:r>
+              <a:rPr lang="en-US" sz="2000" dirty="0"/>
+              <a:t>Display information of available subjects for the student</a:t>
+            </a:r>
+            <a:endParaRPr lang="cs-CZ" sz="2000" dirty="0"/>
+          </a:p>
+          <a:p>
+            <a:pPr lvl="1"/>
+            <a:r>
+              <a:rPr lang="en-US" sz="2000" dirty="0"/>
+              <a:t>Display information of all enrolled subjects for the student.</a:t>
+            </a:r>
+          </a:p>
+          <a:p>
+            <a:pPr lvl="1"/>
+            <a:r>
+              <a:rPr lang="en-US" sz="2000" dirty="0"/>
+              <a:t>Ensure enrollment requests can be made</a:t>
+            </a:r>
+            <a:endParaRPr lang="cs-CZ" sz="2000" dirty="0"/>
+          </a:p>
+          <a:p>
+            <a:pPr lvl="1"/>
+            <a:endParaRPr lang="cs-CZ" sz="2000" dirty="0"/>
+          </a:p>
+          <a:p>
+            <a:r>
+              <a:rPr lang="en-US" sz="2400" b="1" dirty="0"/>
+              <a:t>Display responsibilities</a:t>
+            </a:r>
+          </a:p>
+          <a:p>
+            <a:pPr lvl="1"/>
+            <a:r>
+              <a:rPr lang="en-US" sz="2000" dirty="0"/>
+              <a:t>Display the list of subjects in which the student is enrolled.</a:t>
+            </a:r>
+          </a:p>
+          <a:p>
+            <a:pPr lvl="1"/>
+            <a:r>
+              <a:rPr lang="en-US" sz="2000" dirty="0"/>
+              <a:t>Display a selector to choose a specific subject for unenrollment</a:t>
+            </a:r>
+            <a:r>
               <a:rPr lang="en-US" dirty="0"/>
-              <a:t>Display information of available subjects for the student</a:t>
-            </a:r>
-            <a:endParaRPr lang="cs-CZ" dirty="0"/>
-          </a:p>
-          <a:p>
-            <a:pPr lvl="1"/>
-            <a:r>
-              <a:rPr lang="en-US" dirty="0"/>
-              <a:t>Display information of all enrolled subjects for the student.</a:t>
-            </a:r>
-          </a:p>
-          <a:p>
-            <a:pPr lvl="1"/>
-            <a:r>
-              <a:rPr lang="en-US" dirty="0"/>
-              <a:t>Ensure enrollment requests can be made</a:t>
-            </a:r>
-            <a:endParaRPr lang="cs-CZ" dirty="0"/>
-          </a:p>
-          <a:p>
-            <a:pPr lvl="1"/>
-            <a:endParaRPr lang="cs-CZ" dirty="0"/>
-          </a:p>
-          <a:p>
-            <a:r>
-              <a:rPr lang="en-US" b="1" dirty="0"/>
-              <a:t>Display responsibilities</a:t>
-            </a:r>
-          </a:p>
-          <a:p>
-            <a:pPr lvl="1"/>
-            <a:r>
-              <a:rPr lang="en-US" dirty="0"/>
-              <a:t>Display the list of subjects in which the student is enrolled.</a:t>
-            </a:r>
-          </a:p>
-          <a:p>
-            <a:pPr lvl="1"/>
-            <a:r>
-              <a:rPr lang="en-US" dirty="0"/>
-              <a:t>Display a selector to choose a specific subject for unenrollment.</a:t>
+              <a:t>.</a:t>
             </a:r>
             <a:endParaRPr lang="cs-CZ" dirty="0"/>
           </a:p>
@@ -6272,47 +6286,47 @@
           <a:lstStyle/>
           <a:p>
             <a:r>
-              <a:rPr lang="en-US" b="1" dirty="0"/>
+              <a:rPr lang="en-US" sz="2400" b="1" dirty="0"/>
               <a:t>Enrollment processing responsibilities</a:t>
             </a:r>
           </a:p>
           <a:p>
             <a:pPr lvl="1"/>
             <a:r>
-              <a:rPr lang="en-US" dirty="0"/>
+              <a:rPr lang="en-US" sz="2000" dirty="0"/>
               <a:t>Ensure enrollment requests are correctly processed</a:t>
             </a:r>
           </a:p>
           <a:p>
             <a:pPr lvl="1"/>
             <a:r>
-              <a:rPr lang="en-US" dirty="0"/>
+              <a:rPr lang="en-US" sz="2000" dirty="0"/>
               <a:t>Ensure that the student is correctly enrolled to the selected subject</a:t>
             </a:r>
           </a:p>
           <a:p>
             <a:pPr lvl="1"/>
             <a:r>
-              <a:rPr lang="en-US" dirty="0"/>
+              <a:rPr lang="en-US" sz="2000" dirty="0"/>
               <a:t>Ensure that all actions done are logged</a:t>
             </a:r>
-            <a:endParaRPr lang="cs-CZ" dirty="0"/>
+            <a:endParaRPr lang="cs-CZ" sz="2000" dirty="0"/>
           </a:p>
           <a:p>
             <a:pPr lvl="1"/>
             <a:r>
-              <a:rPr lang="en-US" dirty="0"/>
+              <a:rPr lang="en-US" sz="2000" dirty="0"/>
               <a:t>Remove the subject from the students list of enrolled subjects.</a:t>
             </a:r>
-            <a:endParaRPr lang="cs-CZ" dirty="0"/>
+            <a:endParaRPr lang="cs-CZ" sz="2000" dirty="0"/>
           </a:p>
           <a:p>
             <a:pPr lvl="1"/>
             <a:r>
-              <a:rPr lang="en-US" dirty="0"/>
+              <a:rPr lang="en-US" sz="2000" dirty="0"/>
               <a:t>Notify the student promptly of the outcome of the request.</a:t>
             </a:r>
-            <a:endParaRPr lang="cs-CZ" dirty="0"/>
+            <a:endParaRPr lang="cs-CZ" sz="2000" dirty="0"/>
           </a:p>
           <a:p>
             <a:pPr lvl="1"/>
@@ -6456,58 +6470,58 @@
           <a:lstStyle/>
           <a:p>
             <a:r>
-              <a:rPr lang="en-US" b="1" dirty="0"/>
+              <a:rPr lang="en-US" sz="2400" b="1" dirty="0"/>
               <a:t>Enrollment validation responsibilities</a:t>
             </a:r>
           </a:p>
           <a:p>
             <a:pPr lvl="1"/>
             <a:r>
-              <a:rPr lang="en-US" dirty="0"/>
+              <a:rPr lang="en-US" sz="2000" dirty="0"/>
               <a:t>Validate student credentials, prerequisites</a:t>
             </a:r>
           </a:p>
           <a:p>
             <a:pPr lvl="1"/>
             <a:r>
-              <a:rPr lang="en-US" dirty="0"/>
+              <a:rPr lang="en-US" sz="2000" dirty="0"/>
               <a:t>Validate availability of space for selected subject</a:t>
             </a:r>
           </a:p>
           <a:p>
             <a:pPr lvl="1"/>
             <a:r>
-              <a:rPr lang="en-US" dirty="0"/>
+              <a:rPr lang="en-US" sz="2000" dirty="0"/>
               <a:t>Inform student of any issues that occurred during validation</a:t>
             </a:r>
-            <a:endParaRPr lang="cs-CZ" dirty="0"/>
+            <a:endParaRPr lang="cs-CZ" sz="2000" dirty="0"/>
           </a:p>
           <a:p>
             <a:pPr lvl="1"/>
             <a:r>
-              <a:rPr lang="en-US" dirty="0"/>
+              <a:rPr lang="en-US" sz="2000" dirty="0"/>
               <a:t>Inform teacher of any issues that occurred during validation</a:t>
             </a:r>
           </a:p>
           <a:p>
             <a:pPr lvl="1"/>
             <a:r>
-              <a:rPr lang="en-US" dirty="0"/>
+              <a:rPr lang="en-US" sz="2000" dirty="0"/>
               <a:t>Offer to place the student into an enrollment queue for the selected subject</a:t>
             </a:r>
-            <a:endParaRPr lang="cs-CZ" dirty="0"/>
+            <a:endParaRPr lang="cs-CZ" sz="2000" dirty="0"/>
           </a:p>
           <a:p>
             <a:pPr lvl="1"/>
             <a:r>
-              <a:rPr lang="en-US" dirty="0"/>
+              <a:rPr lang="en-US" sz="2000" dirty="0"/>
               <a:t>Check if the unenrollment request meets specific criteria.</a:t>
             </a:r>
           </a:p>
           <a:p>
             <a:pPr lvl="1"/>
             <a:r>
-              <a:rPr lang="en-US" dirty="0"/>
+              <a:rPr lang="en-US" sz="2000" dirty="0"/>
               <a:t>Check if there was some error during the unenrollment request.</a:t>
             </a:r>
           </a:p>
@@ -6653,40 +6667,40 @@
           <a:lstStyle/>
           <a:p>
             <a:r>
-              <a:rPr lang="en-US" b="1" dirty="0"/>
+              <a:rPr lang="en-US" sz="2400" b="1" dirty="0"/>
               <a:t>Notification responsibilities</a:t>
             </a:r>
           </a:p>
           <a:p>
             <a:pPr lvl="1"/>
             <a:r>
-              <a:rPr lang="en-US" dirty="0"/>
+              <a:rPr lang="en-US" sz="2000" dirty="0"/>
               <a:t>Notify the student if request was success or not</a:t>
             </a:r>
-            <a:endParaRPr lang="cs-CZ" dirty="0"/>
+            <a:endParaRPr lang="cs-CZ" sz="2000" dirty="0"/>
           </a:p>
           <a:p>
             <a:pPr lvl="1"/>
             <a:r>
-              <a:rPr lang="en-US" dirty="0"/>
+              <a:rPr lang="en-US" sz="2000" dirty="0"/>
               <a:t>Send email notification to the student with the confirmation message and details about the enrollment.</a:t>
             </a:r>
-            <a:endParaRPr lang="cs-CZ" dirty="0"/>
+            <a:endParaRPr lang="cs-CZ" sz="2000" dirty="0"/>
           </a:p>
           <a:p>
             <a:pPr lvl="1"/>
-            <a:endParaRPr lang="cs-CZ" dirty="0"/>
-          </a:p>
-          <a:p>
-            <a:r>
-              <a:rPr lang="en-US" b="1" dirty="0"/>
+            <a:endParaRPr lang="cs-CZ" sz="2000" dirty="0"/>
+          </a:p>
+          <a:p>
+            <a:r>
+              <a:rPr lang="en-US" sz="2400" b="1" dirty="0"/>
               <a:t>Filtering responsibility</a:t>
             </a:r>
           </a:p>
           <a:p>
             <a:pPr lvl="1"/>
             <a:r>
-              <a:rPr lang="en-US" dirty="0"/>
+              <a:rPr lang="en-US" sz="2000" dirty="0"/>
               <a:t>Filter available subjects for the student.</a:t>
             </a:r>
           </a:p>
